--- a/PivotDemo/Power of Pivotv BSSUG.pptx
+++ b/PivotDemo/Power of Pivotv BSSUG.pptx
@@ -5,7 +5,7 @@
     <p:sldMasterId id="2147483744" r:id="rId1"/>
   </p:sldMasterIdLst>
   <p:notesMasterIdLst>
-    <p:notesMasterId r:id="rId28"/>
+    <p:notesMasterId r:id="rId27"/>
   </p:notesMasterIdLst>
   <p:sldIdLst>
     <p:sldId id="256" r:id="rId2"/>
@@ -23,17 +23,16 @@
     <p:sldId id="283" r:id="rId14"/>
     <p:sldId id="262" r:id="rId15"/>
     <p:sldId id="277" r:id="rId16"/>
-    <p:sldId id="278" r:id="rId17"/>
-    <p:sldId id="276" r:id="rId18"/>
-    <p:sldId id="265" r:id="rId19"/>
-    <p:sldId id="273" r:id="rId20"/>
-    <p:sldId id="285" r:id="rId21"/>
-    <p:sldId id="284" r:id="rId22"/>
-    <p:sldId id="275" r:id="rId23"/>
-    <p:sldId id="286" r:id="rId24"/>
-    <p:sldId id="272" r:id="rId25"/>
-    <p:sldId id="274" r:id="rId26"/>
-    <p:sldId id="279" r:id="rId27"/>
+    <p:sldId id="276" r:id="rId17"/>
+    <p:sldId id="265" r:id="rId18"/>
+    <p:sldId id="273" r:id="rId19"/>
+    <p:sldId id="285" r:id="rId20"/>
+    <p:sldId id="284" r:id="rId21"/>
+    <p:sldId id="275" r:id="rId22"/>
+    <p:sldId id="286" r:id="rId23"/>
+    <p:sldId id="272" r:id="rId24"/>
+    <p:sldId id="274" r:id="rId25"/>
+    <p:sldId id="279" r:id="rId26"/>
   </p:sldIdLst>
   <p:sldSz cx="9144000" cy="6858000" type="screen4x3"/>
   <p:notesSz cx="6858000" cy="9144000"/>
@@ -247,7 +246,7 @@
           <a:p>
             <a:fld id="{31F6150D-47B9-4785-852D-9050F3374F6B}" type="datetimeFigureOut">
               <a:rPr lang="en-US" smtClean="0"/>
-              <a:t>2/17/2020</a:t>
+              <a:t>2/19/2020</a:t>
             </a:fld>
             <a:endParaRPr lang="en-US"/>
           </a:p>
@@ -1146,7 +1145,7 @@
           <a:p>
             <a:fld id="{B64875E2-D827-4F3C-A684-EE6FA7F0D48D}" type="datetimeFigureOut">
               <a:rPr lang="en-US" smtClean="0"/>
-              <a:t>2/17/2020</a:t>
+              <a:t>2/19/2020</a:t>
             </a:fld>
             <a:endParaRPr lang="en-US"/>
           </a:p>
@@ -1309,7 +1308,7 @@
           <a:p>
             <a:fld id="{B64875E2-D827-4F3C-A684-EE6FA7F0D48D}" type="datetimeFigureOut">
               <a:rPr lang="en-US" smtClean="0"/>
-              <a:t>2/17/2020</a:t>
+              <a:t>2/19/2020</a:t>
             </a:fld>
             <a:endParaRPr lang="en-US"/>
           </a:p>
@@ -1538,7 +1537,7 @@
           <a:p>
             <a:fld id="{B64875E2-D827-4F3C-A684-EE6FA7F0D48D}" type="datetimeFigureOut">
               <a:rPr lang="en-US" smtClean="0"/>
-              <a:t>2/17/2020</a:t>
+              <a:t>2/19/2020</a:t>
             </a:fld>
             <a:endParaRPr lang="en-US"/>
           </a:p>
@@ -1734,7 +1733,7 @@
           <a:p>
             <a:fld id="{B64875E2-D827-4F3C-A684-EE6FA7F0D48D}" type="datetimeFigureOut">
               <a:rPr lang="en-US" smtClean="0"/>
-              <a:t>2/17/2020</a:t>
+              <a:t>2/19/2020</a:t>
             </a:fld>
             <a:endParaRPr lang="en-US"/>
           </a:p>
@@ -2142,7 +2141,7 @@
           <a:p>
             <a:fld id="{B64875E2-D827-4F3C-A684-EE6FA7F0D48D}" type="datetimeFigureOut">
               <a:rPr lang="en-US" smtClean="0"/>
-              <a:t>2/17/2020</a:t>
+              <a:t>2/19/2020</a:t>
             </a:fld>
             <a:endParaRPr lang="en-US"/>
           </a:p>
@@ -2346,7 +2345,7 @@
           <a:p>
             <a:fld id="{B64875E2-D827-4F3C-A684-EE6FA7F0D48D}" type="datetimeFigureOut">
               <a:rPr lang="en-US" smtClean="0"/>
-              <a:t>2/17/2020</a:t>
+              <a:t>2/19/2020</a:t>
             </a:fld>
             <a:endParaRPr lang="en-US"/>
           </a:p>
@@ -2751,7 +2750,7 @@
           <a:p>
             <a:fld id="{B64875E2-D827-4F3C-A684-EE6FA7F0D48D}" type="datetimeFigureOut">
               <a:rPr lang="en-US" smtClean="0"/>
-              <a:t>2/17/2020</a:t>
+              <a:t>2/19/2020</a:t>
             </a:fld>
             <a:endParaRPr lang="en-US"/>
           </a:p>
@@ -2885,7 +2884,7 @@
           <a:p>
             <a:fld id="{B64875E2-D827-4F3C-A684-EE6FA7F0D48D}" type="datetimeFigureOut">
               <a:rPr lang="en-US" smtClean="0"/>
-              <a:t>2/17/2020</a:t>
+              <a:t>2/19/2020</a:t>
             </a:fld>
             <a:endParaRPr lang="en-US"/>
           </a:p>
@@ -2975,7 +2974,7 @@
           <a:p>
             <a:fld id="{B64875E2-D827-4F3C-A684-EE6FA7F0D48D}" type="datetimeFigureOut">
               <a:rPr lang="en-US" smtClean="0"/>
-              <a:t>2/17/2020</a:t>
+              <a:t>2/19/2020</a:t>
             </a:fld>
             <a:endParaRPr lang="en-US"/>
           </a:p>
@@ -3228,7 +3227,7 @@
           <a:p>
             <a:fld id="{B64875E2-D827-4F3C-A684-EE6FA7F0D48D}" type="datetimeFigureOut">
               <a:rPr lang="en-US" smtClean="0"/>
-              <a:t>2/17/2020</a:t>
+              <a:t>2/19/2020</a:t>
             </a:fld>
             <a:endParaRPr lang="en-US"/>
           </a:p>
@@ -3525,7 +3524,7 @@
           <a:p>
             <a:fld id="{B64875E2-D827-4F3C-A684-EE6FA7F0D48D}" type="datetimeFigureOut">
               <a:rPr lang="en-US" smtClean="0"/>
-              <a:t>2/17/2020</a:t>
+              <a:t>2/19/2020</a:t>
             </a:fld>
             <a:endParaRPr lang="en-US"/>
           </a:p>
@@ -3756,7 +3755,7 @@
           <a:p>
             <a:fld id="{B64875E2-D827-4F3C-A684-EE6FA7F0D48D}" type="datetimeFigureOut">
               <a:rPr lang="en-US" smtClean="0"/>
-              <a:t>2/17/2020</a:t>
+              <a:t>2/19/2020</a:t>
             </a:fld>
             <a:endParaRPr lang="en-US"/>
           </a:p>
@@ -5621,7 +5620,7 @@
         <p:spPr>
           <a:xfrm>
             <a:off x="381000" y="1143000"/>
-            <a:ext cx="8382000" cy="5355312"/>
+            <a:ext cx="8382000" cy="5847755"/>
           </a:xfrm>
           <a:prstGeom prst="rect">
             <a:avLst/>
@@ -5929,6 +5928,35 @@
               </a:rPr>
               <a:t>;</a:t>
             </a:r>
+          </a:p>
+          <a:p>
+            <a:r>
+              <a:rPr lang="en-US" sz="1200" dirty="0">
+                <a:latin typeface="Arial" panose="020B0604020202020204" pitchFamily="34" charset="0"/>
+                <a:cs typeface="Arial" panose="020B0604020202020204" pitchFamily="34" charset="0"/>
+              </a:rPr>
+              <a:t>/*The only difference in </a:t>
+            </a:r>
+            <a:r>
+              <a:rPr lang="en-US" sz="1200" dirty="0" err="1">
+                <a:latin typeface="Arial" panose="020B0604020202020204" pitchFamily="34" charset="0"/>
+                <a:cs typeface="Arial" panose="020B0604020202020204" pitchFamily="34" charset="0"/>
+              </a:rPr>
+              <a:t>synatx</a:t>
+            </a:r>
+            <a:r>
+              <a:rPr lang="en-US" sz="1200" dirty="0">
+                <a:latin typeface="Arial" panose="020B0604020202020204" pitchFamily="34" charset="0"/>
+                <a:cs typeface="Arial" panose="020B0604020202020204" pitchFamily="34" charset="0"/>
+              </a:rPr>
+              <a:t> for Oracle is in the “FOR &lt;field&gt; IN(values)” section of the PIVOT operator*/</a:t>
+            </a:r>
+          </a:p>
+          <a:p>
+            <a:endParaRPr lang="en-US" sz="2000" dirty="0">
+              <a:latin typeface="Arial" panose="020B0604020202020204" pitchFamily="34" charset="0"/>
+              <a:cs typeface="Arial" panose="020B0604020202020204" pitchFamily="34" charset="0"/>
+            </a:endParaRPr>
           </a:p>
         </p:txBody>
       </p:sp>
@@ -5983,401 +6011,6 @@
 </file>
 
 <file path=ppt/slides/slide16.xml><?xml version="1.0" encoding="utf-8"?>
-<p:sld xmlns:a="http://schemas.openxmlformats.org/drawingml/2006/main" xmlns:r="http://schemas.openxmlformats.org/officeDocument/2006/relationships" xmlns:p="http://schemas.openxmlformats.org/presentationml/2006/main">
-  <p:cSld>
-    <p:spTree>
-      <p:nvGrpSpPr>
-        <p:cNvPr id="1" name=""/>
-        <p:cNvGrpSpPr/>
-        <p:nvPr/>
-      </p:nvGrpSpPr>
-      <p:grpSpPr>
-        <a:xfrm>
-          <a:off x="0" y="0"/>
-          <a:ext cx="0" cy="0"/>
-          <a:chOff x="0" y="0"/>
-          <a:chExt cx="0" cy="0"/>
-        </a:xfrm>
-      </p:grpSpPr>
-      <p:sp>
-        <p:nvSpPr>
-          <p:cNvPr id="2" name="Rectangle 1"/>
-          <p:cNvSpPr/>
-          <p:nvPr/>
-        </p:nvSpPr>
-        <p:spPr>
-          <a:xfrm>
-            <a:off x="533400" y="1293197"/>
-            <a:ext cx="8382000" cy="4955203"/>
-          </a:xfrm>
-          <a:prstGeom prst="rect">
-            <a:avLst/>
-          </a:prstGeom>
-        </p:spPr>
-        <p:txBody>
-          <a:bodyPr wrap="square">
-            <a:spAutoFit/>
-          </a:bodyPr>
-          <a:lstStyle/>
-          <a:p>
-            <a:r>
-              <a:rPr lang="en-US" sz="1400" dirty="0">
-                <a:latin typeface="Arial" panose="020B0604020202020204" pitchFamily="34" charset="0"/>
-                <a:cs typeface="Arial" panose="020B0604020202020204" pitchFamily="34" charset="0"/>
-              </a:rPr>
-              <a:t>/*The only difference in </a:t>
-            </a:r>
-            <a:r>
-              <a:rPr lang="en-US" sz="1400" dirty="0" err="1">
-                <a:latin typeface="Arial" panose="020B0604020202020204" pitchFamily="34" charset="0"/>
-                <a:cs typeface="Arial" panose="020B0604020202020204" pitchFamily="34" charset="0"/>
-              </a:rPr>
-              <a:t>synatx</a:t>
-            </a:r>
-            <a:r>
-              <a:rPr lang="en-US" sz="1400" dirty="0">
-                <a:latin typeface="Arial" panose="020B0604020202020204" pitchFamily="34" charset="0"/>
-                <a:cs typeface="Arial" panose="020B0604020202020204" pitchFamily="34" charset="0"/>
-              </a:rPr>
-              <a:t> is in the “FOR &lt;field&gt; IN(values)” section of the PIVOT operator*/</a:t>
-            </a:r>
-          </a:p>
-          <a:p>
-            <a:endParaRPr lang="en-US" dirty="0">
-              <a:latin typeface="Arial" panose="020B0604020202020204" pitchFamily="34" charset="0"/>
-              <a:cs typeface="Arial" panose="020B0604020202020204" pitchFamily="34" charset="0"/>
-            </a:endParaRPr>
-          </a:p>
-          <a:p>
-            <a:r>
-              <a:rPr lang="en-US" sz="1400" dirty="0">
-                <a:latin typeface="Arial" panose="020B0604020202020204" pitchFamily="34" charset="0"/>
-                <a:cs typeface="Arial" panose="020B0604020202020204" pitchFamily="34" charset="0"/>
-              </a:rPr>
-              <a:t>/*MAIN QUERY*/</a:t>
-            </a:r>
-          </a:p>
-          <a:p>
-            <a:r>
-              <a:rPr lang="en-US" dirty="0">
-                <a:latin typeface="Arial" panose="020B0604020202020204" pitchFamily="34" charset="0"/>
-                <a:cs typeface="Arial" panose="020B0604020202020204" pitchFamily="34" charset="0"/>
-              </a:rPr>
-              <a:t>SELECT * FROM</a:t>
-            </a:r>
-          </a:p>
-          <a:p>
-            <a:r>
-              <a:rPr lang="en-US" dirty="0">
-                <a:latin typeface="Arial" panose="020B0604020202020204" pitchFamily="34" charset="0"/>
-                <a:cs typeface="Arial" panose="020B0604020202020204" pitchFamily="34" charset="0"/>
-              </a:rPr>
-              <a:t>(</a:t>
-            </a:r>
-          </a:p>
-          <a:p>
-            <a:r>
-              <a:rPr lang="en-US" dirty="0">
-                <a:latin typeface="Arial" panose="020B0604020202020204" pitchFamily="34" charset="0"/>
-                <a:cs typeface="Arial" panose="020B0604020202020204" pitchFamily="34" charset="0"/>
-              </a:rPr>
-              <a:t>SELECT DISTINCT</a:t>
-            </a:r>
-          </a:p>
-          <a:p>
-            <a:pPr lvl="1"/>
-            <a:r>
-              <a:rPr lang="en-US" dirty="0" err="1">
-                <a:solidFill>
-                  <a:srgbClr val="00B050"/>
-                </a:solidFill>
-                <a:latin typeface="Arial" panose="020B0604020202020204" pitchFamily="34" charset="0"/>
-                <a:cs typeface="Arial" panose="020B0604020202020204" pitchFamily="34" charset="0"/>
-              </a:rPr>
-              <a:t>ai.petType</a:t>
-            </a:r>
-            <a:r>
-              <a:rPr lang="en-US" dirty="0">
-                <a:solidFill>
-                  <a:srgbClr val="00B050"/>
-                </a:solidFill>
-                <a:latin typeface="Arial" panose="020B0604020202020204" pitchFamily="34" charset="0"/>
-                <a:cs typeface="Arial" panose="020B0604020202020204" pitchFamily="34" charset="0"/>
-              </a:rPr>
-              <a:t> 	/*grouping*/</a:t>
-            </a:r>
-          </a:p>
-          <a:p>
-            <a:pPr lvl="1"/>
-            <a:r>
-              <a:rPr lang="en-US" dirty="0">
-                <a:latin typeface="Arial" panose="020B0604020202020204" pitchFamily="34" charset="0"/>
-                <a:cs typeface="Arial" panose="020B0604020202020204" pitchFamily="34" charset="0"/>
-              </a:rPr>
-              <a:t>,</a:t>
-            </a:r>
-            <a:r>
-              <a:rPr lang="en-US" dirty="0" err="1">
-                <a:solidFill>
-                  <a:srgbClr val="FF6699"/>
-                </a:solidFill>
-                <a:latin typeface="Arial" panose="020B0604020202020204" pitchFamily="34" charset="0"/>
-                <a:cs typeface="Arial" panose="020B0604020202020204" pitchFamily="34" charset="0"/>
-              </a:rPr>
-              <a:t>ai.AnimalId</a:t>
-            </a:r>
-            <a:r>
-              <a:rPr lang="en-US" dirty="0">
-                <a:solidFill>
-                  <a:srgbClr val="FF6699"/>
-                </a:solidFill>
-                <a:latin typeface="Arial" panose="020B0604020202020204" pitchFamily="34" charset="0"/>
-                <a:cs typeface="Arial" panose="020B0604020202020204" pitchFamily="34" charset="0"/>
-              </a:rPr>
-              <a:t> 	/*aggregate*/</a:t>
-            </a:r>
-          </a:p>
-          <a:p>
-            <a:pPr lvl="1"/>
-            <a:r>
-              <a:rPr lang="en-US" dirty="0">
-                <a:latin typeface="Arial" panose="020B0604020202020204" pitchFamily="34" charset="0"/>
-                <a:cs typeface="Arial" panose="020B0604020202020204" pitchFamily="34" charset="0"/>
-              </a:rPr>
-              <a:t>,</a:t>
-            </a:r>
-            <a:r>
-              <a:rPr lang="en-US" dirty="0" err="1">
-                <a:solidFill>
-                  <a:srgbClr val="00B0F0"/>
-                </a:solidFill>
-                <a:latin typeface="Arial" panose="020B0604020202020204" pitchFamily="34" charset="0"/>
-                <a:cs typeface="Arial" panose="020B0604020202020204" pitchFamily="34" charset="0"/>
-              </a:rPr>
-              <a:t>ai.size</a:t>
-            </a:r>
-            <a:r>
-              <a:rPr lang="en-US" dirty="0">
-                <a:solidFill>
-                  <a:srgbClr val="00B0F0"/>
-                </a:solidFill>
-                <a:latin typeface="Arial" panose="020B0604020202020204" pitchFamily="34" charset="0"/>
-                <a:cs typeface="Arial" panose="020B0604020202020204" pitchFamily="34" charset="0"/>
-              </a:rPr>
-              <a:t> 	/*spreading*/</a:t>
-            </a:r>
-          </a:p>
-          <a:p>
-            <a:r>
-              <a:rPr lang="en-US" dirty="0">
-                <a:latin typeface="Arial" panose="020B0604020202020204" pitchFamily="34" charset="0"/>
-                <a:cs typeface="Arial" panose="020B0604020202020204" pitchFamily="34" charset="0"/>
-              </a:rPr>
-              <a:t>FROM</a:t>
-            </a:r>
-          </a:p>
-          <a:p>
-            <a:pPr lvl="1"/>
-            <a:r>
-              <a:rPr lang="en-US" dirty="0" err="1">
-                <a:latin typeface="Arial" panose="020B0604020202020204" pitchFamily="34" charset="0"/>
-                <a:cs typeface="Arial" panose="020B0604020202020204" pitchFamily="34" charset="0"/>
-              </a:rPr>
-              <a:t>dbo.AnimalIntake</a:t>
-            </a:r>
-            <a:r>
-              <a:rPr lang="en-US" dirty="0">
-                <a:latin typeface="Arial" panose="020B0604020202020204" pitchFamily="34" charset="0"/>
-                <a:cs typeface="Arial" panose="020B0604020202020204" pitchFamily="34" charset="0"/>
-              </a:rPr>
-              <a:t> </a:t>
-            </a:r>
-            <a:r>
-              <a:rPr lang="en-US" dirty="0" err="1">
-                <a:latin typeface="Arial" panose="020B0604020202020204" pitchFamily="34" charset="0"/>
-                <a:cs typeface="Arial" panose="020B0604020202020204" pitchFamily="34" charset="0"/>
-              </a:rPr>
-              <a:t>ai</a:t>
-            </a:r>
-            <a:endParaRPr lang="en-US" dirty="0">
-              <a:latin typeface="Arial" panose="020B0604020202020204" pitchFamily="34" charset="0"/>
-              <a:cs typeface="Arial" panose="020B0604020202020204" pitchFamily="34" charset="0"/>
-            </a:endParaRPr>
-          </a:p>
-          <a:p>
-            <a:r>
-              <a:rPr lang="en-US" dirty="0">
-                <a:latin typeface="Arial" panose="020B0604020202020204" pitchFamily="34" charset="0"/>
-                <a:cs typeface="Arial" panose="020B0604020202020204" pitchFamily="34" charset="0"/>
-              </a:rPr>
-              <a:t>) </a:t>
-            </a:r>
-            <a:r>
-              <a:rPr lang="en-US" dirty="0" err="1">
-                <a:latin typeface="Arial" panose="020B0604020202020204" pitchFamily="34" charset="0"/>
-                <a:cs typeface="Arial" panose="020B0604020202020204" pitchFamily="34" charset="0"/>
-              </a:rPr>
-              <a:t>src</a:t>
-            </a:r>
-            <a:endParaRPr lang="en-US" dirty="0">
-              <a:latin typeface="Arial" panose="020B0604020202020204" pitchFamily="34" charset="0"/>
-              <a:cs typeface="Arial" panose="020B0604020202020204" pitchFamily="34" charset="0"/>
-            </a:endParaRPr>
-          </a:p>
-          <a:p>
-            <a:r>
-              <a:rPr lang="en-US" dirty="0">
-                <a:latin typeface="Arial" panose="020B0604020202020204" pitchFamily="34" charset="0"/>
-                <a:cs typeface="Arial" panose="020B0604020202020204" pitchFamily="34" charset="0"/>
-              </a:rPr>
-              <a:t>PIVOT</a:t>
-            </a:r>
-          </a:p>
-          <a:p>
-            <a:r>
-              <a:rPr lang="en-US" dirty="0">
-                <a:latin typeface="Arial" panose="020B0604020202020204" pitchFamily="34" charset="0"/>
-                <a:cs typeface="Arial" panose="020B0604020202020204" pitchFamily="34" charset="0"/>
-              </a:rPr>
-              <a:t>(</a:t>
-            </a:r>
-          </a:p>
-          <a:p>
-            <a:pPr lvl="1"/>
-            <a:r>
-              <a:rPr lang="en-US" dirty="0">
-                <a:latin typeface="Arial" panose="020B0604020202020204" pitchFamily="34" charset="0"/>
-                <a:cs typeface="Arial" panose="020B0604020202020204" pitchFamily="34" charset="0"/>
-              </a:rPr>
-              <a:t>COUNT(</a:t>
-            </a:r>
-            <a:r>
-              <a:rPr lang="en-US" dirty="0" err="1">
-                <a:solidFill>
-                  <a:srgbClr val="FF6699"/>
-                </a:solidFill>
-                <a:latin typeface="Arial" panose="020B0604020202020204" pitchFamily="34" charset="0"/>
-                <a:cs typeface="Arial" panose="020B0604020202020204" pitchFamily="34" charset="0"/>
-              </a:rPr>
-              <a:t>AnimalId</a:t>
-            </a:r>
-            <a:r>
-              <a:rPr lang="en-US" dirty="0">
-                <a:latin typeface="Arial" panose="020B0604020202020204" pitchFamily="34" charset="0"/>
-                <a:cs typeface="Arial" panose="020B0604020202020204" pitchFamily="34" charset="0"/>
-              </a:rPr>
-              <a:t>)</a:t>
-            </a:r>
-          </a:p>
-          <a:p>
-            <a:pPr lvl="1"/>
-            <a:r>
-              <a:rPr lang="en-US" dirty="0">
-                <a:latin typeface="Arial" panose="020B0604020202020204" pitchFamily="34" charset="0"/>
-                <a:cs typeface="Arial" panose="020B0604020202020204" pitchFamily="34" charset="0"/>
-              </a:rPr>
-              <a:t>FOR </a:t>
-            </a:r>
-            <a:r>
-              <a:rPr lang="en-US" dirty="0">
-                <a:solidFill>
-                  <a:srgbClr val="00B0F0"/>
-                </a:solidFill>
-                <a:latin typeface="Arial" panose="020B0604020202020204" pitchFamily="34" charset="0"/>
-                <a:cs typeface="Arial" panose="020B0604020202020204" pitchFamily="34" charset="0"/>
-              </a:rPr>
-              <a:t>size</a:t>
-            </a:r>
-            <a:r>
-              <a:rPr lang="en-US" dirty="0">
-                <a:latin typeface="Arial" panose="020B0604020202020204" pitchFamily="34" charset="0"/>
-                <a:cs typeface="Arial" panose="020B0604020202020204" pitchFamily="34" charset="0"/>
-              </a:rPr>
-              <a:t> IN(‘SMALL‘ AS small, ‘MED’ AS med, ‘LARGE’ AS large)</a:t>
-            </a:r>
-          </a:p>
-          <a:p>
-            <a:r>
-              <a:rPr lang="en-US" dirty="0">
-                <a:latin typeface="Arial" panose="020B0604020202020204" pitchFamily="34" charset="0"/>
-                <a:cs typeface="Arial" panose="020B0604020202020204" pitchFamily="34" charset="0"/>
-              </a:rPr>
-              <a:t>) </a:t>
-            </a:r>
-            <a:r>
-              <a:rPr lang="en-US" dirty="0" err="1">
-                <a:latin typeface="Arial" panose="020B0604020202020204" pitchFamily="34" charset="0"/>
-                <a:cs typeface="Arial" panose="020B0604020202020204" pitchFamily="34" charset="0"/>
-              </a:rPr>
-              <a:t>pvt</a:t>
-            </a:r>
-            <a:endParaRPr lang="en-US" dirty="0">
-              <a:latin typeface="Arial" panose="020B0604020202020204" pitchFamily="34" charset="0"/>
-              <a:cs typeface="Arial" panose="020B0604020202020204" pitchFamily="34" charset="0"/>
-            </a:endParaRPr>
-          </a:p>
-          <a:p>
-            <a:r>
-              <a:rPr lang="en-US" dirty="0">
-                <a:latin typeface="Arial" panose="020B0604020202020204" pitchFamily="34" charset="0"/>
-                <a:cs typeface="Arial" panose="020B0604020202020204" pitchFamily="34" charset="0"/>
-              </a:rPr>
-              <a:t>;</a:t>
-            </a:r>
-          </a:p>
-        </p:txBody>
-      </p:sp>
-      <p:sp>
-        <p:nvSpPr>
-          <p:cNvPr id="3" name="TextBox 2"/>
-          <p:cNvSpPr txBox="1"/>
-          <p:nvPr/>
-        </p:nvSpPr>
-        <p:spPr>
-          <a:xfrm>
-            <a:off x="0" y="533400"/>
-            <a:ext cx="9144000" cy="646331"/>
-          </a:xfrm>
-          <a:prstGeom prst="rect">
-            <a:avLst/>
-          </a:prstGeom>
-          <a:noFill/>
-        </p:spPr>
-        <p:txBody>
-          <a:bodyPr wrap="square" rtlCol="0">
-            <a:spAutoFit/>
-          </a:bodyPr>
-          <a:lstStyle/>
-          <a:p>
-            <a:pPr algn="ctr"/>
-            <a:r>
-              <a:rPr lang="en-US" sz="3600" dirty="0">
-                <a:latin typeface="Arial" panose="020B0604020202020204" pitchFamily="34" charset="0"/>
-                <a:cs typeface="Arial" panose="020B0604020202020204" pitchFamily="34" charset="0"/>
-              </a:rPr>
-              <a:t>Oracle</a:t>
-            </a:r>
-            <a:endParaRPr lang="en-US" sz="2000" dirty="0">
-              <a:latin typeface="Arial" panose="020B0604020202020204" pitchFamily="34" charset="0"/>
-              <a:cs typeface="Arial" panose="020B0604020202020204" pitchFamily="34" charset="0"/>
-            </a:endParaRPr>
-          </a:p>
-        </p:txBody>
-      </p:sp>
-    </p:spTree>
-    <p:extLst>
-      <p:ext uri="{BB962C8B-B14F-4D97-AF65-F5344CB8AC3E}">
-        <p14:creationId xmlns:p14="http://schemas.microsoft.com/office/powerpoint/2010/main" val="1906057132"/>
-      </p:ext>
-    </p:extLst>
-  </p:cSld>
-  <p:clrMapOvr>
-    <a:masterClrMapping/>
-  </p:clrMapOvr>
-</p:sld>
-</file>
-
-<file path=ppt/slides/slide17.xml><?xml version="1.0" encoding="utf-8"?>
 <p:sld xmlns:a="http://schemas.openxmlformats.org/drawingml/2006/main" xmlns:r="http://schemas.openxmlformats.org/officeDocument/2006/relationships" xmlns:p="http://schemas.openxmlformats.org/presentationml/2006/main">
   <p:cSld>
     <p:spTree>
@@ -6437,7 +6070,7 @@
 </p:sld>
 </file>
 
-<file path=ppt/slides/slide18.xml><?xml version="1.0" encoding="utf-8"?>
+<file path=ppt/slides/slide17.xml><?xml version="1.0" encoding="utf-8"?>
 <p:sld xmlns:a="http://schemas.openxmlformats.org/drawingml/2006/main" xmlns:r="http://schemas.openxmlformats.org/officeDocument/2006/relationships" xmlns:p="http://schemas.openxmlformats.org/presentationml/2006/main">
   <p:cSld>
     <p:spTree>
@@ -6497,6 +6130,155 @@
 </p:sld>
 </file>
 
+<file path=ppt/slides/slide18.xml><?xml version="1.0" encoding="utf-8"?>
+<p:sld xmlns:a="http://schemas.openxmlformats.org/drawingml/2006/main" xmlns:r="http://schemas.openxmlformats.org/officeDocument/2006/relationships" xmlns:p="http://schemas.openxmlformats.org/presentationml/2006/main">
+  <p:cSld>
+    <p:spTree>
+      <p:nvGrpSpPr>
+        <p:cNvPr id="1" name=""/>
+        <p:cNvGrpSpPr/>
+        <p:nvPr/>
+      </p:nvGrpSpPr>
+      <p:grpSpPr>
+        <a:xfrm>
+          <a:off x="0" y="0"/>
+          <a:ext cx="0" cy="0"/>
+          <a:chOff x="0" y="0"/>
+          <a:chExt cx="0" cy="0"/>
+        </a:xfrm>
+      </p:grpSpPr>
+      <p:sp>
+        <p:nvSpPr>
+          <p:cNvPr id="2" name="TextBox 1"/>
+          <p:cNvSpPr txBox="1"/>
+          <p:nvPr/>
+        </p:nvSpPr>
+        <p:spPr>
+          <a:xfrm>
+            <a:off x="685800" y="1450538"/>
+            <a:ext cx="7620001" cy="3139321"/>
+          </a:xfrm>
+          <a:prstGeom prst="rect">
+            <a:avLst/>
+          </a:prstGeom>
+          <a:noFill/>
+        </p:spPr>
+        <p:txBody>
+          <a:bodyPr wrap="square" rtlCol="0">
+            <a:spAutoFit/>
+          </a:bodyPr>
+          <a:lstStyle/>
+          <a:p>
+            <a:r>
+              <a:rPr lang="en-US" sz="2000" dirty="0">
+                <a:latin typeface="Arial" panose="020B0604020202020204" pitchFamily="34" charset="0"/>
+                <a:cs typeface="Arial" panose="020B0604020202020204" pitchFamily="34" charset="0"/>
+              </a:rPr>
+              <a:t>Sometimes the customer wants multiple data points aggregated.</a:t>
+            </a:r>
+          </a:p>
+          <a:p>
+            <a:endParaRPr lang="en-US" sz="2000" dirty="0">
+              <a:latin typeface="Arial" panose="020B0604020202020204" pitchFamily="34" charset="0"/>
+              <a:cs typeface="Arial" panose="020B0604020202020204" pitchFamily="34" charset="0"/>
+            </a:endParaRPr>
+          </a:p>
+          <a:p>
+            <a:endParaRPr lang="en-US" sz="2000" dirty="0">
+              <a:latin typeface="Arial" panose="020B0604020202020204" pitchFamily="34" charset="0"/>
+              <a:cs typeface="Arial" panose="020B0604020202020204" pitchFamily="34" charset="0"/>
+            </a:endParaRPr>
+          </a:p>
+          <a:p>
+            <a:r>
+              <a:rPr lang="en-US" sz="2000" dirty="0">
+                <a:latin typeface="Arial" panose="020B0604020202020204" pitchFamily="34" charset="0"/>
+                <a:cs typeface="Arial" panose="020B0604020202020204" pitchFamily="34" charset="0"/>
+              </a:rPr>
+              <a:t>For example: </a:t>
+            </a:r>
+          </a:p>
+          <a:p>
+            <a:r>
+              <a:rPr lang="en-US" sz="2000" dirty="0">
+                <a:latin typeface="Arial" panose="020B0604020202020204" pitchFamily="34" charset="0"/>
+                <a:cs typeface="Arial" panose="020B0604020202020204" pitchFamily="34" charset="0"/>
+              </a:rPr>
+              <a:t>Your customer wants to see the number of pet size AND type of  animal intake per animal type.</a:t>
+            </a:r>
+          </a:p>
+          <a:p>
+            <a:endParaRPr lang="en-US" sz="2000" dirty="0">
+              <a:latin typeface="Arial" panose="020B0604020202020204" pitchFamily="34" charset="0"/>
+              <a:cs typeface="Arial" panose="020B0604020202020204" pitchFamily="34" charset="0"/>
+            </a:endParaRPr>
+          </a:p>
+          <a:p>
+            <a:endParaRPr lang="en-US" sz="2000" dirty="0">
+              <a:latin typeface="Arial" panose="020B0604020202020204" pitchFamily="34" charset="0"/>
+              <a:cs typeface="Arial" panose="020B0604020202020204" pitchFamily="34" charset="0"/>
+            </a:endParaRPr>
+          </a:p>
+          <a:p>
+            <a:r>
+              <a:rPr lang="en-US" sz="2000" dirty="0">
+                <a:latin typeface="Arial" panose="020B0604020202020204" pitchFamily="34" charset="0"/>
+                <a:cs typeface="Arial" panose="020B0604020202020204" pitchFamily="34" charset="0"/>
+              </a:rPr>
+              <a:t>Enter … the Multi Pivot</a:t>
+            </a:r>
+          </a:p>
+          <a:p>
+            <a:endParaRPr lang="en-US" dirty="0"/>
+          </a:p>
+        </p:txBody>
+      </p:sp>
+      <p:sp>
+        <p:nvSpPr>
+          <p:cNvPr id="3" name="TextBox 2"/>
+          <p:cNvSpPr txBox="1"/>
+          <p:nvPr/>
+        </p:nvSpPr>
+        <p:spPr>
+          <a:xfrm>
+            <a:off x="0" y="533400"/>
+            <a:ext cx="9144000" cy="646331"/>
+          </a:xfrm>
+          <a:prstGeom prst="rect">
+            <a:avLst/>
+          </a:prstGeom>
+          <a:noFill/>
+        </p:spPr>
+        <p:txBody>
+          <a:bodyPr wrap="square" rtlCol="0">
+            <a:spAutoFit/>
+          </a:bodyPr>
+          <a:lstStyle/>
+          <a:p>
+            <a:pPr algn="ctr"/>
+            <a:r>
+              <a:rPr lang="en-US" sz="3600" dirty="0">
+                <a:latin typeface="Arial" panose="020B0604020202020204" pitchFamily="34" charset="0"/>
+                <a:cs typeface="Arial" panose="020B0604020202020204" pitchFamily="34" charset="0"/>
+              </a:rPr>
+              <a:t>But Wait. There’s More!</a:t>
+            </a:r>
+          </a:p>
+        </p:txBody>
+      </p:sp>
+    </p:spTree>
+    <p:extLst>
+      <p:ext uri="{BB962C8B-B14F-4D97-AF65-F5344CB8AC3E}">
+        <p14:creationId xmlns:p14="http://schemas.microsoft.com/office/powerpoint/2010/main" val="4208758310"/>
+      </p:ext>
+    </p:extLst>
+  </p:cSld>
+  <p:clrMapOvr>
+    <a:masterClrMapping/>
+  </p:clrMapOvr>
+</p:sld>
+</file>
+
 <file path=ppt/slides/slide19.xml><?xml version="1.0" encoding="utf-8"?>
 <p:sld xmlns:a="http://schemas.openxmlformats.org/drawingml/2006/main" xmlns:r="http://schemas.openxmlformats.org/officeDocument/2006/relationships" xmlns:p="http://schemas.openxmlformats.org/presentationml/2006/main">
   <p:cSld>
@@ -6514,129 +6296,46 @@
           <a:chExt cx="0" cy="0"/>
         </a:xfrm>
       </p:grpSpPr>
-      <p:sp>
-        <p:nvSpPr>
-          <p:cNvPr id="2" name="TextBox 1"/>
-          <p:cNvSpPr txBox="1"/>
+      <p:pic>
+        <p:nvPicPr>
+          <p:cNvPr id="3" name="Picture 2">
+            <a:extLst>
+              <a:ext uri="{FF2B5EF4-FFF2-40B4-BE49-F238E27FC236}">
+                <a16:creationId xmlns:a16="http://schemas.microsoft.com/office/drawing/2014/main" id="{8173BCE5-E37C-4CCF-8383-CFFF862F0B48}"/>
+              </a:ext>
+            </a:extLst>
+          </p:cNvPr>
+          <p:cNvPicPr>
+            <a:picLocks noChangeAspect="1"/>
+          </p:cNvPicPr>
           <p:nvPr/>
-        </p:nvSpPr>
-        <p:spPr>
-          <a:xfrm>
-            <a:off x="685800" y="1450538"/>
-            <a:ext cx="7620001" cy="3139321"/>
+        </p:nvPicPr>
+        <p:blipFill>
+          <a:blip r:embed="rId2">
+            <a:extLst>
+              <a:ext uri="{28A0092B-C50C-407E-A947-70E740481C1C}">
+                <a14:useLocalDpi xmlns:a14="http://schemas.microsoft.com/office/drawing/2010/main" val="0"/>
+              </a:ext>
+            </a:extLst>
+          </a:blip>
+          <a:stretch>
+            <a:fillRect/>
+          </a:stretch>
+        </p:blipFill>
+        <p:spPr>
+          <a:xfrm>
+            <a:off x="2190750" y="1838325"/>
+            <a:ext cx="4762500" cy="3181350"/>
           </a:xfrm>
           <a:prstGeom prst="rect">
             <a:avLst/>
           </a:prstGeom>
-          <a:noFill/>
-        </p:spPr>
-        <p:txBody>
-          <a:bodyPr wrap="square" rtlCol="0">
-            <a:spAutoFit/>
-          </a:bodyPr>
-          <a:lstStyle/>
-          <a:p>
-            <a:r>
-              <a:rPr lang="en-US" sz="2000" dirty="0">
-                <a:latin typeface="Arial" panose="020B0604020202020204" pitchFamily="34" charset="0"/>
-                <a:cs typeface="Arial" panose="020B0604020202020204" pitchFamily="34" charset="0"/>
-              </a:rPr>
-              <a:t>Sometimes the customer wants multiple data points aggregated.</a:t>
-            </a:r>
-          </a:p>
-          <a:p>
-            <a:endParaRPr lang="en-US" sz="2000" dirty="0">
-              <a:latin typeface="Arial" panose="020B0604020202020204" pitchFamily="34" charset="0"/>
-              <a:cs typeface="Arial" panose="020B0604020202020204" pitchFamily="34" charset="0"/>
-            </a:endParaRPr>
-          </a:p>
-          <a:p>
-            <a:endParaRPr lang="en-US" sz="2000" dirty="0">
-              <a:latin typeface="Arial" panose="020B0604020202020204" pitchFamily="34" charset="0"/>
-              <a:cs typeface="Arial" panose="020B0604020202020204" pitchFamily="34" charset="0"/>
-            </a:endParaRPr>
-          </a:p>
-          <a:p>
-            <a:r>
-              <a:rPr lang="en-US" sz="2000" dirty="0">
-                <a:latin typeface="Arial" panose="020B0604020202020204" pitchFamily="34" charset="0"/>
-                <a:cs typeface="Arial" panose="020B0604020202020204" pitchFamily="34" charset="0"/>
-              </a:rPr>
-              <a:t>For example: </a:t>
-            </a:r>
-          </a:p>
-          <a:p>
-            <a:r>
-              <a:rPr lang="en-US" sz="2000" dirty="0">
-                <a:latin typeface="Arial" panose="020B0604020202020204" pitchFamily="34" charset="0"/>
-                <a:cs typeface="Arial" panose="020B0604020202020204" pitchFamily="34" charset="0"/>
-              </a:rPr>
-              <a:t>Your customer wants to see the number of pet size AND type of  animal intake per animal type.</a:t>
-            </a:r>
-          </a:p>
-          <a:p>
-            <a:endParaRPr lang="en-US" sz="2000" dirty="0">
-              <a:latin typeface="Arial" panose="020B0604020202020204" pitchFamily="34" charset="0"/>
-              <a:cs typeface="Arial" panose="020B0604020202020204" pitchFamily="34" charset="0"/>
-            </a:endParaRPr>
-          </a:p>
-          <a:p>
-            <a:endParaRPr lang="en-US" sz="2000" dirty="0">
-              <a:latin typeface="Arial" panose="020B0604020202020204" pitchFamily="34" charset="0"/>
-              <a:cs typeface="Arial" panose="020B0604020202020204" pitchFamily="34" charset="0"/>
-            </a:endParaRPr>
-          </a:p>
-          <a:p>
-            <a:r>
-              <a:rPr lang="en-US" sz="2000" dirty="0">
-                <a:latin typeface="Arial" panose="020B0604020202020204" pitchFamily="34" charset="0"/>
-                <a:cs typeface="Arial" panose="020B0604020202020204" pitchFamily="34" charset="0"/>
-              </a:rPr>
-              <a:t>Enter … the Multi Pivot</a:t>
-            </a:r>
-          </a:p>
-          <a:p>
-            <a:endParaRPr lang="en-US" dirty="0"/>
-          </a:p>
-        </p:txBody>
-      </p:sp>
-      <p:sp>
-        <p:nvSpPr>
-          <p:cNvPr id="3" name="TextBox 2"/>
-          <p:cNvSpPr txBox="1"/>
-          <p:nvPr/>
-        </p:nvSpPr>
-        <p:spPr>
-          <a:xfrm>
-            <a:off x="0" y="533400"/>
-            <a:ext cx="9144000" cy="646331"/>
-          </a:xfrm>
-          <a:prstGeom prst="rect">
-            <a:avLst/>
-          </a:prstGeom>
-          <a:noFill/>
-        </p:spPr>
-        <p:txBody>
-          <a:bodyPr wrap="square" rtlCol="0">
-            <a:spAutoFit/>
-          </a:bodyPr>
-          <a:lstStyle/>
-          <a:p>
-            <a:pPr algn="ctr"/>
-            <a:r>
-              <a:rPr lang="en-US" sz="3600" dirty="0">
-                <a:latin typeface="Arial" panose="020B0604020202020204" pitchFamily="34" charset="0"/>
-                <a:cs typeface="Arial" panose="020B0604020202020204" pitchFamily="34" charset="0"/>
-              </a:rPr>
-              <a:t>But Wait. There’s More!</a:t>
-            </a:r>
-          </a:p>
-        </p:txBody>
-      </p:sp>
+        </p:spPr>
+      </p:pic>
     </p:spTree>
     <p:extLst>
       <p:ext uri="{BB962C8B-B14F-4D97-AF65-F5344CB8AC3E}">
-        <p14:creationId xmlns:p14="http://schemas.microsoft.com/office/powerpoint/2010/main" val="4208758310"/>
+        <p14:creationId xmlns:p14="http://schemas.microsoft.com/office/powerpoint/2010/main" val="3738410236"/>
       </p:ext>
     </p:extLst>
   </p:cSld>
@@ -7033,72 +6732,6 @@
           <a:chExt cx="0" cy="0"/>
         </a:xfrm>
       </p:grpSpPr>
-      <p:pic>
-        <p:nvPicPr>
-          <p:cNvPr id="3" name="Picture 2">
-            <a:extLst>
-              <a:ext uri="{FF2B5EF4-FFF2-40B4-BE49-F238E27FC236}">
-                <a16:creationId xmlns:a16="http://schemas.microsoft.com/office/drawing/2014/main" id="{8173BCE5-E37C-4CCF-8383-CFFF862F0B48}"/>
-              </a:ext>
-            </a:extLst>
-          </p:cNvPr>
-          <p:cNvPicPr>
-            <a:picLocks noChangeAspect="1"/>
-          </p:cNvPicPr>
-          <p:nvPr/>
-        </p:nvPicPr>
-        <p:blipFill>
-          <a:blip r:embed="rId2">
-            <a:extLst>
-              <a:ext uri="{28A0092B-C50C-407E-A947-70E740481C1C}">
-                <a14:useLocalDpi xmlns:a14="http://schemas.microsoft.com/office/drawing/2010/main" val="0"/>
-              </a:ext>
-            </a:extLst>
-          </a:blip>
-          <a:stretch>
-            <a:fillRect/>
-          </a:stretch>
-        </p:blipFill>
-        <p:spPr>
-          <a:xfrm>
-            <a:off x="2190750" y="1838325"/>
-            <a:ext cx="4762500" cy="3181350"/>
-          </a:xfrm>
-          <a:prstGeom prst="rect">
-            <a:avLst/>
-          </a:prstGeom>
-        </p:spPr>
-      </p:pic>
-    </p:spTree>
-    <p:extLst>
-      <p:ext uri="{BB962C8B-B14F-4D97-AF65-F5344CB8AC3E}">
-        <p14:creationId xmlns:p14="http://schemas.microsoft.com/office/powerpoint/2010/main" val="3738410236"/>
-      </p:ext>
-    </p:extLst>
-  </p:cSld>
-  <p:clrMapOvr>
-    <a:masterClrMapping/>
-  </p:clrMapOvr>
-</p:sld>
-</file>
-
-<file path=ppt/slides/slide21.xml><?xml version="1.0" encoding="utf-8"?>
-<p:sld xmlns:a="http://schemas.openxmlformats.org/drawingml/2006/main" xmlns:r="http://schemas.openxmlformats.org/officeDocument/2006/relationships" xmlns:p="http://schemas.openxmlformats.org/presentationml/2006/main">
-  <p:cSld>
-    <p:spTree>
-      <p:nvGrpSpPr>
-        <p:cNvPr id="1" name=""/>
-        <p:cNvGrpSpPr/>
-        <p:nvPr/>
-      </p:nvGrpSpPr>
-      <p:grpSpPr>
-        <a:xfrm>
-          <a:off x="0" y="0"/>
-          <a:ext cx="0" cy="0"/>
-          <a:chOff x="0" y="0"/>
-          <a:chExt cx="0" cy="0"/>
-        </a:xfrm>
-      </p:grpSpPr>
       <p:sp>
         <p:nvSpPr>
           <p:cNvPr id="2" name="TextBox 1"/>
@@ -7108,7 +6741,7 @@
         <p:spPr>
           <a:xfrm>
             <a:off x="685800" y="1450538"/>
-            <a:ext cx="7620001" cy="2862322"/>
+            <a:ext cx="7620001" cy="4401205"/>
           </a:xfrm>
           <a:prstGeom prst="rect">
             <a:avLst/>
@@ -7179,6 +6812,47 @@
               </a:rPr>
               <a:t>Your customer wants to see the most recent intake of each breed.</a:t>
             </a:r>
+          </a:p>
+          <a:p>
+            <a:endParaRPr lang="en-US" sz="2000" dirty="0">
+              <a:latin typeface="Arial" panose="020B0604020202020204" pitchFamily="34" charset="0"/>
+              <a:cs typeface="Arial" panose="020B0604020202020204" pitchFamily="34" charset="0"/>
+            </a:endParaRPr>
+          </a:p>
+          <a:p>
+            <a:r>
+              <a:rPr lang="en-US" sz="2000" dirty="0">
+                <a:latin typeface="Arial" panose="020B0604020202020204" pitchFamily="34" charset="0"/>
+                <a:cs typeface="Arial" panose="020B0604020202020204" pitchFamily="34" charset="0"/>
+              </a:rPr>
+              <a:t>Or</a:t>
+            </a:r>
+          </a:p>
+          <a:p>
+            <a:endParaRPr lang="en-US" sz="2000" dirty="0">
+              <a:latin typeface="Arial" panose="020B0604020202020204" pitchFamily="34" charset="0"/>
+              <a:cs typeface="Arial" panose="020B0604020202020204" pitchFamily="34" charset="0"/>
+            </a:endParaRPr>
+          </a:p>
+          <a:p>
+            <a:r>
+              <a:rPr lang="en-US" sz="2000" dirty="0">
+                <a:latin typeface="Arial" panose="020B0604020202020204" pitchFamily="34" charset="0"/>
+                <a:cs typeface="Arial" panose="020B0604020202020204" pitchFamily="34" charset="0"/>
+              </a:rPr>
+              <a:t>The number of pet types by pet size, but you have new sizes that have not been </a:t>
+            </a:r>
+            <a:r>
+              <a:rPr lang="en-US" sz="2000">
+                <a:latin typeface="Arial" panose="020B0604020202020204" pitchFamily="34" charset="0"/>
+                <a:cs typeface="Arial" panose="020B0604020202020204" pitchFamily="34" charset="0"/>
+              </a:rPr>
+              <a:t>previously identified. </a:t>
+            </a:r>
+            <a:endParaRPr lang="en-US" sz="2000" dirty="0">
+              <a:latin typeface="Arial" panose="020B0604020202020204" pitchFamily="34" charset="0"/>
+              <a:cs typeface="Arial" panose="020B0604020202020204" pitchFamily="34" charset="0"/>
+            </a:endParaRPr>
           </a:p>
         </p:txBody>
       </p:sp>
@@ -7228,7 +6902,7 @@
 </p:sld>
 </file>
 
-<file path=ppt/slides/slide22.xml><?xml version="1.0" encoding="utf-8"?>
+<file path=ppt/slides/slide21.xml><?xml version="1.0" encoding="utf-8"?>
 <p:sld xmlns:a="http://schemas.openxmlformats.org/drawingml/2006/main" xmlns:r="http://schemas.openxmlformats.org/officeDocument/2006/relationships" xmlns:p="http://schemas.openxmlformats.org/presentationml/2006/main">
   <p:cSld>
     <p:spTree>
@@ -7288,7 +6962,7 @@
 </p:sld>
 </file>
 
-<file path=ppt/slides/slide23.xml><?xml version="1.0" encoding="utf-8"?>
+<file path=ppt/slides/slide22.xml><?xml version="1.0" encoding="utf-8"?>
 <p:sld xmlns:a="http://schemas.openxmlformats.org/drawingml/2006/main" xmlns:r="http://schemas.openxmlformats.org/officeDocument/2006/relationships" xmlns:p="http://schemas.openxmlformats.org/presentationml/2006/main">
   <p:cSld>
     <p:spTree>
@@ -7354,6 +7028,278 @@
 </p:sld>
 </file>
 
+<file path=ppt/slides/slide23.xml><?xml version="1.0" encoding="utf-8"?>
+<p:sld xmlns:a="http://schemas.openxmlformats.org/drawingml/2006/main" xmlns:r="http://schemas.openxmlformats.org/officeDocument/2006/relationships" xmlns:p="http://schemas.openxmlformats.org/presentationml/2006/main">
+  <p:cSld>
+    <p:spTree>
+      <p:nvGrpSpPr>
+        <p:cNvPr id="1" name=""/>
+        <p:cNvGrpSpPr/>
+        <p:nvPr/>
+      </p:nvGrpSpPr>
+      <p:grpSpPr>
+        <a:xfrm>
+          <a:off x="0" y="0"/>
+          <a:ext cx="0" cy="0"/>
+          <a:chOff x="0" y="0"/>
+          <a:chExt cx="0" cy="0"/>
+        </a:xfrm>
+      </p:grpSpPr>
+      <p:sp>
+        <p:nvSpPr>
+          <p:cNvPr id="3" name="Rectangle 2"/>
+          <p:cNvSpPr/>
+          <p:nvPr/>
+        </p:nvSpPr>
+        <p:spPr>
+          <a:xfrm>
+            <a:off x="0" y="0"/>
+            <a:ext cx="9144000" cy="1015663"/>
+          </a:xfrm>
+          <a:prstGeom prst="rect">
+            <a:avLst/>
+          </a:prstGeom>
+        </p:spPr>
+        <p:txBody>
+          <a:bodyPr wrap="square">
+            <a:spAutoFit/>
+          </a:bodyPr>
+          <a:lstStyle/>
+          <a:p>
+            <a:pPr algn="ctr"/>
+            <a:r>
+              <a:rPr lang="en-US" sz="6000" dirty="0">
+                <a:latin typeface="Arial" panose="020B0604020202020204" pitchFamily="34" charset="0"/>
+                <a:cs typeface="Arial" panose="020B0604020202020204" pitchFamily="34" charset="0"/>
+              </a:rPr>
+              <a:t>Resources</a:t>
+            </a:r>
+          </a:p>
+        </p:txBody>
+      </p:sp>
+      <p:sp>
+        <p:nvSpPr>
+          <p:cNvPr id="4" name="TextBox 3"/>
+          <p:cNvSpPr txBox="1"/>
+          <p:nvPr/>
+        </p:nvSpPr>
+        <p:spPr>
+          <a:xfrm>
+            <a:off x="304800" y="1545372"/>
+            <a:ext cx="8382000" cy="5016758"/>
+          </a:xfrm>
+          <a:prstGeom prst="rect">
+            <a:avLst/>
+          </a:prstGeom>
+          <a:noFill/>
+        </p:spPr>
+        <p:txBody>
+          <a:bodyPr wrap="square" rtlCol="0">
+            <a:spAutoFit/>
+          </a:bodyPr>
+          <a:lstStyle/>
+          <a:p>
+            <a:r>
+              <a:rPr lang="en-US" sz="2000" dirty="0" err="1">
+                <a:latin typeface="Arial" panose="020B0604020202020204" pitchFamily="34" charset="0"/>
+                <a:cs typeface="Arial" panose="020B0604020202020204" pitchFamily="34" charset="0"/>
+              </a:rPr>
+              <a:t>AppDev</a:t>
+            </a:r>
+            <a:r>
+              <a:rPr lang="en-US" sz="2000" dirty="0">
+                <a:latin typeface="Arial" panose="020B0604020202020204" pitchFamily="34" charset="0"/>
+                <a:cs typeface="Arial" panose="020B0604020202020204" pitchFamily="34" charset="0"/>
+              </a:rPr>
+              <a:t> Presentation: </a:t>
+            </a:r>
+          </a:p>
+          <a:p>
+            <a:r>
+              <a:rPr lang="en-US" sz="2000" dirty="0">
+                <a:latin typeface="Arial" panose="020B0604020202020204" pitchFamily="34" charset="0"/>
+                <a:cs typeface="Arial" panose="020B0604020202020204" pitchFamily="34" charset="0"/>
+              </a:rPr>
+              <a:t>… Become a T-SQL Pivoting Ninja in 60 Minutes Or Less </a:t>
+            </a:r>
+          </a:p>
+          <a:p>
+            <a:r>
+              <a:rPr lang="en-US" sz="2000" dirty="0">
+                <a:latin typeface="Arial" panose="020B0604020202020204" pitchFamily="34" charset="0"/>
+                <a:cs typeface="Arial" panose="020B0604020202020204" pitchFamily="34" charset="0"/>
+              </a:rPr>
+              <a:t>… by Peter Doyle on Feb 22</a:t>
+            </a:r>
+            <a:r>
+              <a:rPr lang="en-US" sz="2000" baseline="30000" dirty="0">
+                <a:latin typeface="Arial" panose="020B0604020202020204" pitchFamily="34" charset="0"/>
+                <a:cs typeface="Arial" panose="020B0604020202020204" pitchFamily="34" charset="0"/>
+              </a:rPr>
+              <a:t>nd</a:t>
+            </a:r>
+            <a:r>
+              <a:rPr lang="en-US" sz="2000" dirty="0">
+                <a:latin typeface="Arial" panose="020B0604020202020204" pitchFamily="34" charset="0"/>
+                <a:cs typeface="Arial" panose="020B0604020202020204" pitchFamily="34" charset="0"/>
+              </a:rPr>
+              <a:t> @9am; </a:t>
+            </a:r>
+          </a:p>
+          <a:p>
+            <a:r>
+              <a:rPr lang="en-US" sz="2000" dirty="0">
+                <a:latin typeface="Arial" panose="020B0604020202020204" pitchFamily="34" charset="0"/>
+                <a:cs typeface="Arial" panose="020B0604020202020204" pitchFamily="34" charset="0"/>
+              </a:rPr>
+              <a:t>… Registration at:  </a:t>
+            </a:r>
+            <a:r>
+              <a:rPr lang="en-US" sz="2000" dirty="0">
+                <a:hlinkClick r:id="rId2"/>
+              </a:rPr>
+              <a:t>https://appdev.pass.org/</a:t>
+            </a:r>
+            <a:endParaRPr lang="en-US" sz="2000" dirty="0">
+              <a:latin typeface="Arial" panose="020B0604020202020204" pitchFamily="34" charset="0"/>
+              <a:cs typeface="Arial" panose="020B0604020202020204" pitchFamily="34" charset="0"/>
+            </a:endParaRPr>
+          </a:p>
+          <a:p>
+            <a:endParaRPr lang="en-US" sz="2000" dirty="0">
+              <a:latin typeface="Arial" panose="020B0604020202020204" pitchFamily="34" charset="0"/>
+              <a:cs typeface="Arial" panose="020B0604020202020204" pitchFamily="34" charset="0"/>
+            </a:endParaRPr>
+          </a:p>
+          <a:p>
+            <a:r>
+              <a:rPr lang="en-US" sz="2000" dirty="0">
+                <a:latin typeface="Arial" panose="020B0604020202020204" pitchFamily="34" charset="0"/>
+                <a:cs typeface="Arial" panose="020B0604020202020204" pitchFamily="34" charset="0"/>
+              </a:rPr>
+              <a:t>Dynamic PIVOT Resources</a:t>
+            </a:r>
+          </a:p>
+          <a:p>
+            <a:pPr marL="342900" indent="-342900">
+              <a:buFont typeface="Arial" panose="020B0604020202020204" pitchFamily="34" charset="0"/>
+              <a:buChar char="•"/>
+            </a:pPr>
+            <a:r>
+              <a:rPr lang="en-US" sz="2000" dirty="0">
+                <a:latin typeface="Arial" panose="020B0604020202020204" pitchFamily="34" charset="0"/>
+                <a:cs typeface="Arial" panose="020B0604020202020204" pitchFamily="34" charset="0"/>
+              </a:rPr>
+              <a:t>Aaron Bertrand</a:t>
+            </a:r>
+          </a:p>
+          <a:p>
+            <a:pPr marL="800100" lvl="1" indent="-342900">
+              <a:buFont typeface="Arial" panose="020B0604020202020204" pitchFamily="34" charset="0"/>
+              <a:buChar char="•"/>
+            </a:pPr>
+            <a:r>
+              <a:rPr lang="en-US" sz="2000" dirty="0">
+                <a:latin typeface="Arial" panose="020B0604020202020204" pitchFamily="34" charset="0"/>
+                <a:cs typeface="Arial" panose="020B0604020202020204" pitchFamily="34" charset="0"/>
+              </a:rPr>
+              <a:t>dynamic pivot (10-16-2016) </a:t>
+            </a:r>
+            <a:r>
+              <a:rPr lang="en-US" sz="2000" dirty="0">
+                <a:hlinkClick r:id="rId3"/>
+              </a:rPr>
+              <a:t>https://www.mssqltips.com/sqlservertip/2783/script-to-create-dynamic-pivot-queries-in-sql-server</a:t>
+            </a:r>
+            <a:r>
+              <a:rPr lang="en-US" sz="2000">
+                <a:hlinkClick r:id="rId3"/>
+              </a:rPr>
+              <a:t>/ </a:t>
+            </a:r>
+            <a:endParaRPr lang="en-US" sz="2000" dirty="0"/>
+          </a:p>
+          <a:p>
+            <a:pPr lvl="1"/>
+            <a:endParaRPr lang="en-US" sz="2000" dirty="0"/>
+          </a:p>
+          <a:p>
+            <a:pPr marL="342900" indent="-342900">
+              <a:buFont typeface="Arial" panose="020B0604020202020204" pitchFamily="34" charset="0"/>
+              <a:buChar char="•"/>
+            </a:pPr>
+            <a:r>
+              <a:rPr lang="en-US" sz="2000" dirty="0">
+                <a:latin typeface="Arial" panose="020B0604020202020204" pitchFamily="34" charset="0"/>
+                <a:cs typeface="Arial" panose="020B0604020202020204" pitchFamily="34" charset="0"/>
+              </a:rPr>
+              <a:t>Eli </a:t>
+            </a:r>
+            <a:r>
+              <a:rPr lang="en-US" sz="2000" dirty="0" err="1">
+                <a:latin typeface="Arial" panose="020B0604020202020204" pitchFamily="34" charset="0"/>
+                <a:cs typeface="Arial" panose="020B0604020202020204" pitchFamily="34" charset="0"/>
+              </a:rPr>
+              <a:t>Leiba</a:t>
+            </a:r>
+            <a:r>
+              <a:rPr lang="en-US" sz="2000" dirty="0">
+                <a:latin typeface="Arial" panose="020B0604020202020204" pitchFamily="34" charset="0"/>
+                <a:cs typeface="Arial" panose="020B0604020202020204" pitchFamily="34" charset="0"/>
+              </a:rPr>
+              <a:t> </a:t>
+            </a:r>
+          </a:p>
+          <a:p>
+            <a:pPr marL="800100" lvl="1" indent="-342900">
+              <a:buFont typeface="Arial" panose="020B0604020202020204" pitchFamily="34" charset="0"/>
+              <a:buChar char="•"/>
+            </a:pPr>
+            <a:r>
+              <a:rPr lang="en-US" sz="2000" dirty="0">
+                <a:latin typeface="Arial" panose="020B0604020202020204" pitchFamily="34" charset="0"/>
+                <a:cs typeface="Arial" panose="020B0604020202020204" pitchFamily="34" charset="0"/>
+              </a:rPr>
+              <a:t>stored procedure: </a:t>
+            </a:r>
+            <a:r>
+              <a:rPr lang="en-US" sz="2000" dirty="0">
+                <a:hlinkClick r:id="rId4"/>
+              </a:rPr>
+              <a:t>https://www.mssqltips.com/sqlservertip/6245/sql-server-dynamic-pivot-query/</a:t>
+            </a:r>
+            <a:endParaRPr lang="en-US" sz="2000" dirty="0">
+              <a:latin typeface="Arial" panose="020B0604020202020204" pitchFamily="34" charset="0"/>
+              <a:cs typeface="Arial" panose="020B0604020202020204" pitchFamily="34" charset="0"/>
+            </a:endParaRPr>
+          </a:p>
+          <a:p>
+            <a:endParaRPr lang="en-US" sz="2000" dirty="0">
+              <a:latin typeface="Arial" panose="020B0604020202020204" pitchFamily="34" charset="0"/>
+              <a:cs typeface="Arial" panose="020B0604020202020204" pitchFamily="34" charset="0"/>
+            </a:endParaRPr>
+          </a:p>
+          <a:p>
+            <a:endParaRPr lang="en-US" sz="2000" dirty="0">
+              <a:latin typeface="Arial" panose="020B0604020202020204" pitchFamily="34" charset="0"/>
+              <a:cs typeface="Arial" panose="020B0604020202020204" pitchFamily="34" charset="0"/>
+            </a:endParaRPr>
+          </a:p>
+        </p:txBody>
+      </p:sp>
+    </p:spTree>
+    <p:extLst>
+      <p:ext uri="{BB962C8B-B14F-4D97-AF65-F5344CB8AC3E}">
+        <p14:creationId xmlns:p14="http://schemas.microsoft.com/office/powerpoint/2010/main" val="1412013139"/>
+      </p:ext>
+    </p:extLst>
+  </p:cSld>
+  <p:clrMapOvr>
+    <a:masterClrMapping/>
+  </p:clrMapOvr>
+</p:sld>
+</file>
+
 <file path=ppt/slides/slide24.xml><?xml version="1.0" encoding="utf-8"?>
 <p:sld xmlns:a="http://schemas.openxmlformats.org/drawingml/2006/main" xmlns:r="http://schemas.openxmlformats.org/officeDocument/2006/relationships" xmlns:p="http://schemas.openxmlformats.org/presentationml/2006/main">
   <p:cSld>
@@ -7373,278 +7319,6 @@
       </p:grpSpPr>
       <p:sp>
         <p:nvSpPr>
-          <p:cNvPr id="3" name="Rectangle 2"/>
-          <p:cNvSpPr/>
-          <p:nvPr/>
-        </p:nvSpPr>
-        <p:spPr>
-          <a:xfrm>
-            <a:off x="0" y="0"/>
-            <a:ext cx="9144000" cy="1015663"/>
-          </a:xfrm>
-          <a:prstGeom prst="rect">
-            <a:avLst/>
-          </a:prstGeom>
-        </p:spPr>
-        <p:txBody>
-          <a:bodyPr wrap="square">
-            <a:spAutoFit/>
-          </a:bodyPr>
-          <a:lstStyle/>
-          <a:p>
-            <a:pPr algn="ctr"/>
-            <a:r>
-              <a:rPr lang="en-US" sz="6000" dirty="0">
-                <a:latin typeface="Arial" panose="020B0604020202020204" pitchFamily="34" charset="0"/>
-                <a:cs typeface="Arial" panose="020B0604020202020204" pitchFamily="34" charset="0"/>
-              </a:rPr>
-              <a:t>Resources</a:t>
-            </a:r>
-          </a:p>
-        </p:txBody>
-      </p:sp>
-      <p:sp>
-        <p:nvSpPr>
-          <p:cNvPr id="4" name="TextBox 3"/>
-          <p:cNvSpPr txBox="1"/>
-          <p:nvPr/>
-        </p:nvSpPr>
-        <p:spPr>
-          <a:xfrm>
-            <a:off x="304800" y="1545372"/>
-            <a:ext cx="8382000" cy="5016758"/>
-          </a:xfrm>
-          <a:prstGeom prst="rect">
-            <a:avLst/>
-          </a:prstGeom>
-          <a:noFill/>
-        </p:spPr>
-        <p:txBody>
-          <a:bodyPr wrap="square" rtlCol="0">
-            <a:spAutoFit/>
-          </a:bodyPr>
-          <a:lstStyle/>
-          <a:p>
-            <a:r>
-              <a:rPr lang="en-US" sz="2000" dirty="0" err="1">
-                <a:latin typeface="Arial" panose="020B0604020202020204" pitchFamily="34" charset="0"/>
-                <a:cs typeface="Arial" panose="020B0604020202020204" pitchFamily="34" charset="0"/>
-              </a:rPr>
-              <a:t>AppDev</a:t>
-            </a:r>
-            <a:r>
-              <a:rPr lang="en-US" sz="2000" dirty="0">
-                <a:latin typeface="Arial" panose="020B0604020202020204" pitchFamily="34" charset="0"/>
-                <a:cs typeface="Arial" panose="020B0604020202020204" pitchFamily="34" charset="0"/>
-              </a:rPr>
-              <a:t> Presentation: </a:t>
-            </a:r>
-          </a:p>
-          <a:p>
-            <a:r>
-              <a:rPr lang="en-US" sz="2000" dirty="0">
-                <a:latin typeface="Arial" panose="020B0604020202020204" pitchFamily="34" charset="0"/>
-                <a:cs typeface="Arial" panose="020B0604020202020204" pitchFamily="34" charset="0"/>
-              </a:rPr>
-              <a:t>… Become a T-SQL Pivoting Ninja in 60 Minutes Or Less </a:t>
-            </a:r>
-          </a:p>
-          <a:p>
-            <a:r>
-              <a:rPr lang="en-US" sz="2000" dirty="0">
-                <a:latin typeface="Arial" panose="020B0604020202020204" pitchFamily="34" charset="0"/>
-                <a:cs typeface="Arial" panose="020B0604020202020204" pitchFamily="34" charset="0"/>
-              </a:rPr>
-              <a:t>… by Peter Doyle on Feb 22</a:t>
-            </a:r>
-            <a:r>
-              <a:rPr lang="en-US" sz="2000" baseline="30000" dirty="0">
-                <a:latin typeface="Arial" panose="020B0604020202020204" pitchFamily="34" charset="0"/>
-                <a:cs typeface="Arial" panose="020B0604020202020204" pitchFamily="34" charset="0"/>
-              </a:rPr>
-              <a:t>nd</a:t>
-            </a:r>
-            <a:r>
-              <a:rPr lang="en-US" sz="2000" dirty="0">
-                <a:latin typeface="Arial" panose="020B0604020202020204" pitchFamily="34" charset="0"/>
-                <a:cs typeface="Arial" panose="020B0604020202020204" pitchFamily="34" charset="0"/>
-              </a:rPr>
-              <a:t> @9am; </a:t>
-            </a:r>
-          </a:p>
-          <a:p>
-            <a:r>
-              <a:rPr lang="en-US" sz="2000" dirty="0">
-                <a:latin typeface="Arial" panose="020B0604020202020204" pitchFamily="34" charset="0"/>
-                <a:cs typeface="Arial" panose="020B0604020202020204" pitchFamily="34" charset="0"/>
-              </a:rPr>
-              <a:t>… Registration at:  </a:t>
-            </a:r>
-            <a:r>
-              <a:rPr lang="en-US" sz="2000" dirty="0">
-                <a:hlinkClick r:id="rId2"/>
-              </a:rPr>
-              <a:t>https://appdev.pass.org/</a:t>
-            </a:r>
-            <a:endParaRPr lang="en-US" sz="2000" dirty="0">
-              <a:latin typeface="Arial" panose="020B0604020202020204" pitchFamily="34" charset="0"/>
-              <a:cs typeface="Arial" panose="020B0604020202020204" pitchFamily="34" charset="0"/>
-            </a:endParaRPr>
-          </a:p>
-          <a:p>
-            <a:endParaRPr lang="en-US" sz="2000" dirty="0">
-              <a:latin typeface="Arial" panose="020B0604020202020204" pitchFamily="34" charset="0"/>
-              <a:cs typeface="Arial" panose="020B0604020202020204" pitchFamily="34" charset="0"/>
-            </a:endParaRPr>
-          </a:p>
-          <a:p>
-            <a:r>
-              <a:rPr lang="en-US" sz="2000" dirty="0">
-                <a:latin typeface="Arial" panose="020B0604020202020204" pitchFamily="34" charset="0"/>
-                <a:cs typeface="Arial" panose="020B0604020202020204" pitchFamily="34" charset="0"/>
-              </a:rPr>
-              <a:t>Dynamic PIVOT Resources</a:t>
-            </a:r>
-          </a:p>
-          <a:p>
-            <a:pPr marL="342900" indent="-342900">
-              <a:buFont typeface="Arial" panose="020B0604020202020204" pitchFamily="34" charset="0"/>
-              <a:buChar char="•"/>
-            </a:pPr>
-            <a:r>
-              <a:rPr lang="en-US" sz="2000" dirty="0">
-                <a:latin typeface="Arial" panose="020B0604020202020204" pitchFamily="34" charset="0"/>
-                <a:cs typeface="Arial" panose="020B0604020202020204" pitchFamily="34" charset="0"/>
-              </a:rPr>
-              <a:t>Aaron Bertrand</a:t>
-            </a:r>
-          </a:p>
-          <a:p>
-            <a:pPr marL="800100" lvl="1" indent="-342900">
-              <a:buFont typeface="Arial" panose="020B0604020202020204" pitchFamily="34" charset="0"/>
-              <a:buChar char="•"/>
-            </a:pPr>
-            <a:r>
-              <a:rPr lang="en-US" sz="2000" dirty="0">
-                <a:latin typeface="Arial" panose="020B0604020202020204" pitchFamily="34" charset="0"/>
-                <a:cs typeface="Arial" panose="020B0604020202020204" pitchFamily="34" charset="0"/>
-              </a:rPr>
-              <a:t>dynamic pivot (10-16-2016) </a:t>
-            </a:r>
-            <a:r>
-              <a:rPr lang="en-US" sz="2000" dirty="0">
-                <a:hlinkClick r:id="rId3"/>
-              </a:rPr>
-              <a:t>https://www.mssqltips.com/sqlservertip/2783/script-to-create-dynamic-pivot-queries-in-sql-server</a:t>
-            </a:r>
-            <a:r>
-              <a:rPr lang="en-US" sz="2000">
-                <a:hlinkClick r:id="rId3"/>
-              </a:rPr>
-              <a:t>/ </a:t>
-            </a:r>
-            <a:endParaRPr lang="en-US" sz="2000" dirty="0"/>
-          </a:p>
-          <a:p>
-            <a:pPr lvl="1"/>
-            <a:endParaRPr lang="en-US" sz="2000" dirty="0"/>
-          </a:p>
-          <a:p>
-            <a:pPr marL="342900" indent="-342900">
-              <a:buFont typeface="Arial" panose="020B0604020202020204" pitchFamily="34" charset="0"/>
-              <a:buChar char="•"/>
-            </a:pPr>
-            <a:r>
-              <a:rPr lang="en-US" sz="2000" dirty="0">
-                <a:latin typeface="Arial" panose="020B0604020202020204" pitchFamily="34" charset="0"/>
-                <a:cs typeface="Arial" panose="020B0604020202020204" pitchFamily="34" charset="0"/>
-              </a:rPr>
-              <a:t>Eli </a:t>
-            </a:r>
-            <a:r>
-              <a:rPr lang="en-US" sz="2000" dirty="0" err="1">
-                <a:latin typeface="Arial" panose="020B0604020202020204" pitchFamily="34" charset="0"/>
-                <a:cs typeface="Arial" panose="020B0604020202020204" pitchFamily="34" charset="0"/>
-              </a:rPr>
-              <a:t>Leiba</a:t>
-            </a:r>
-            <a:r>
-              <a:rPr lang="en-US" sz="2000" dirty="0">
-                <a:latin typeface="Arial" panose="020B0604020202020204" pitchFamily="34" charset="0"/>
-                <a:cs typeface="Arial" panose="020B0604020202020204" pitchFamily="34" charset="0"/>
-              </a:rPr>
-              <a:t> </a:t>
-            </a:r>
-          </a:p>
-          <a:p>
-            <a:pPr marL="800100" lvl="1" indent="-342900">
-              <a:buFont typeface="Arial" panose="020B0604020202020204" pitchFamily="34" charset="0"/>
-              <a:buChar char="•"/>
-            </a:pPr>
-            <a:r>
-              <a:rPr lang="en-US" sz="2000" dirty="0">
-                <a:latin typeface="Arial" panose="020B0604020202020204" pitchFamily="34" charset="0"/>
-                <a:cs typeface="Arial" panose="020B0604020202020204" pitchFamily="34" charset="0"/>
-              </a:rPr>
-              <a:t>stored procedure: </a:t>
-            </a:r>
-            <a:r>
-              <a:rPr lang="en-US" sz="2000" dirty="0">
-                <a:hlinkClick r:id="rId4"/>
-              </a:rPr>
-              <a:t>https://www.mssqltips.com/sqlservertip/6245/sql-server-dynamic-pivot-query/</a:t>
-            </a:r>
-            <a:endParaRPr lang="en-US" sz="2000" dirty="0">
-              <a:latin typeface="Arial" panose="020B0604020202020204" pitchFamily="34" charset="0"/>
-              <a:cs typeface="Arial" panose="020B0604020202020204" pitchFamily="34" charset="0"/>
-            </a:endParaRPr>
-          </a:p>
-          <a:p>
-            <a:endParaRPr lang="en-US" sz="2000" dirty="0">
-              <a:latin typeface="Arial" panose="020B0604020202020204" pitchFamily="34" charset="0"/>
-              <a:cs typeface="Arial" panose="020B0604020202020204" pitchFamily="34" charset="0"/>
-            </a:endParaRPr>
-          </a:p>
-          <a:p>
-            <a:endParaRPr lang="en-US" sz="2000" dirty="0">
-              <a:latin typeface="Arial" panose="020B0604020202020204" pitchFamily="34" charset="0"/>
-              <a:cs typeface="Arial" panose="020B0604020202020204" pitchFamily="34" charset="0"/>
-            </a:endParaRPr>
-          </a:p>
-        </p:txBody>
-      </p:sp>
-    </p:spTree>
-    <p:extLst>
-      <p:ext uri="{BB962C8B-B14F-4D97-AF65-F5344CB8AC3E}">
-        <p14:creationId xmlns:p14="http://schemas.microsoft.com/office/powerpoint/2010/main" val="1412013139"/>
-      </p:ext>
-    </p:extLst>
-  </p:cSld>
-  <p:clrMapOvr>
-    <a:masterClrMapping/>
-  </p:clrMapOvr>
-</p:sld>
-</file>
-
-<file path=ppt/slides/slide25.xml><?xml version="1.0" encoding="utf-8"?>
-<p:sld xmlns:a="http://schemas.openxmlformats.org/drawingml/2006/main" xmlns:r="http://schemas.openxmlformats.org/officeDocument/2006/relationships" xmlns:p="http://schemas.openxmlformats.org/presentationml/2006/main">
-  <p:cSld>
-    <p:spTree>
-      <p:nvGrpSpPr>
-        <p:cNvPr id="1" name=""/>
-        <p:cNvGrpSpPr/>
-        <p:nvPr/>
-      </p:nvGrpSpPr>
-      <p:grpSpPr>
-        <a:xfrm>
-          <a:off x="0" y="0"/>
-          <a:ext cx="0" cy="0"/>
-          <a:chOff x="0" y="0"/>
-          <a:chExt cx="0" cy="0"/>
-        </a:xfrm>
-      </p:grpSpPr>
-      <p:sp>
-        <p:nvSpPr>
           <p:cNvPr id="2" name="TextBox 1"/>
           <p:cNvSpPr txBox="1"/>
           <p:nvPr/>
@@ -7759,7 +7433,7 @@
 </p:sld>
 </file>
 
-<file path=ppt/slides/slide26.xml><?xml version="1.0" encoding="utf-8"?>
+<file path=ppt/slides/slide25.xml><?xml version="1.0" encoding="utf-8"?>
 <p:sld xmlns:a="http://schemas.openxmlformats.org/drawingml/2006/main" xmlns:r="http://schemas.openxmlformats.org/officeDocument/2006/relationships" xmlns:p="http://schemas.openxmlformats.org/presentationml/2006/main">
   <p:cSld>
     <p:spTree>
